--- a/Hadoop Webinar - Session 1 (Faculty Intro).pptx
+++ b/Hadoop Webinar - Session 1 (Faculty Intro).pptx
@@ -111,7 +111,7 @@
   </p:defaultTextStyle>
   <p:extLst>
     <p:ext uri="{EFAFB233-063F-42B5-8137-9DF3F51BA10A}">
-      <p15:sldGuideLst xmlns:p15="http://schemas.microsoft.com/office/powerpoint/2012/main" xmlns="">
+      <p15:sldGuideLst xmlns="" xmlns:p15="http://schemas.microsoft.com/office/powerpoint/2012/main">
         <p15:guide id="1" orient="horz" pos="2160">
           <p15:clr>
             <a:srgbClr val="A4A3A4"/>
@@ -210,7 +210,7 @@
           <a:p>
             <a:fld id="{DF514D65-C560-4569-9AD1-ACA3EB9A2134}" type="datetimeFigureOut">
               <a:rPr lang="en-IN" smtClean="0"/>
-              <a:t>13/03/15</a:t>
+              <a:t>15/03/15</a:t>
             </a:fld>
             <a:endParaRPr lang="en-IN"/>
           </a:p>
@@ -3564,16 +3564,19 @@
           <a:p>
             <a:r>
               <a:rPr lang="en-IN" sz="2400" dirty="0" smtClean="0"/>
-              <a:t>IBM, MongoDB and </a:t>
+              <a:t>IBM, MongoDB and Hortonworks Hadoop Certified</a:t>
             </a:r>
             <a:r>
               <a:rPr lang="en-IN" sz="2400" dirty="0" smtClean="0"/>
-              <a:t>Hortonworks Hadoop </a:t>
-            </a:r>
-            <a:r>
-              <a:rPr lang="en-IN" sz="2400" dirty="0" smtClean="0"/>
-              <a:t>Certified.</a:t>
-            </a:r>
+              <a:t>.</a:t>
+            </a:r>
+          </a:p>
+          <a:p>
+            <a:r>
+              <a:rPr lang="en-IN" sz="2400" smtClean="0"/>
+              <a:t>Data Science Certified from Edureka</a:t>
+            </a:r>
+            <a:endParaRPr lang="en-IN" sz="2400" dirty="0" smtClean="0"/>
           </a:p>
           <a:p>
             <a:r>
